--- a/문서/제안서/나한테 왜 이래_최준영_진석진_임장빈.pptx
+++ b/문서/제안서/나한테 왜 이래_최준영_진석진_임장빈.pptx
@@ -2,7 +2,7 @@
 <file path=ppt/presentation.xml><?xml version="1.0" encoding="utf-8"?>
 <p:presentation xmlns:r="http://schemas.openxmlformats.org/officeDocument/2006/relationships" xmlns:c="http://schemas.openxmlformats.org/drawingml/2006/chart" xmlns:a="http://schemas.openxmlformats.org/drawingml/2006/main" xmlns:dgm="http://schemas.openxmlformats.org/drawingml/2006/diagram" xmlns:dsp="http://schemas.microsoft.com/office/drawing/2008/diagram" xmlns:p="http://schemas.openxmlformats.org/presentationml/2006/main" embedTrueTypeFonts="1" saveSubsetFonts="1">
   <p:sldMasterIdLst>
-    <p:sldMasterId id="2147483690" r:id="rId1"/>
+    <p:sldMasterId id="2147483671" r:id="rId1"/>
   </p:sldMasterIdLst>
   <p:notesMasterIdLst>
     <p:notesMasterId r:id="rId2"/>
@@ -233,7 +233,7 @@
               <a:pPr lvl="0">
                 <a:defRPr/>
               </a:pPr>
-              <a:t>2021-01-16</a:t>
+              <a:t>2021-02-27</a:t>
             </a:fld>
             <a:endParaRPr lang="ko-KR" altLang="en-US"/>
           </a:p>
@@ -703,7 +703,7 @@
               <a:pPr lvl="0">
                 <a:defRPr/>
               </a:pPr>
-              <a:t>15</a:t>
+              <a:t>14</a:t>
             </a:fld>
             <a:endParaRPr lang="en-US" altLang="en-US"/>
           </a:p>
@@ -907,7 +907,7 @@
               <a:pPr lvl="0">
                 <a:defRPr/>
               </a:pPr>
-              <a:t>20</a:t>
+              <a:t>19</a:t>
             </a:fld>
             <a:endParaRPr lang="en-US" altLang="en-US"/>
           </a:p>
@@ -1009,7 +1009,7 @@
               <a:pPr lvl="0">
                 <a:defRPr/>
               </a:pPr>
-              <a:t>21</a:t>
+              <a:t>20</a:t>
             </a:fld>
             <a:endParaRPr lang="en-US" altLang="en-US"/>
           </a:p>
@@ -1111,7 +1111,7 @@
               <a:pPr lvl="0">
                 <a:defRPr/>
               </a:pPr>
-              <a:t>15</a:t>
+              <a:t>21</a:t>
             </a:fld>
             <a:endParaRPr lang="en-US" altLang="en-US"/>
           </a:p>
@@ -1591,7 +1591,7 @@
               <a:pPr lvl="0">
                 <a:defRPr/>
               </a:pPr>
-              <a:t>9</a:t>
+              <a:t>8</a:t>
             </a:fld>
             <a:endParaRPr lang="en-US" altLang="en-US"/>
           </a:p>
@@ -1693,7 +1693,7 @@
               <a:pPr lvl="0">
                 <a:defRPr/>
               </a:pPr>
-              <a:t>12</a:t>
+              <a:t>11</a:t>
             </a:fld>
             <a:endParaRPr lang="en-US" altLang="en-US"/>
           </a:p>
@@ -1795,7 +1795,7 @@
               <a:pPr lvl="0">
                 <a:defRPr/>
               </a:pPr>
-              <a:t>13</a:t>
+              <a:t>12</a:t>
             </a:fld>
             <a:endParaRPr lang="en-US" altLang="en-US"/>
           </a:p>
@@ -1897,7 +1897,7 @@
               <a:pPr lvl="0">
                 <a:defRPr/>
               </a:pPr>
-              <a:t>14</a:t>
+              <a:t>13</a:t>
             </a:fld>
             <a:endParaRPr lang="en-US" altLang="en-US"/>
           </a:p>
@@ -14782,79 +14782,30 @@
           </a:p>
         </p:txBody>
       </p:sp>
-      <p:grpSp>
-        <p:nvGrpSpPr>
-          <p:cNvPr id="51" name=""/>
-          <p:cNvGrpSpPr/>
+      <p:pic>
+        <p:nvPicPr>
+          <p:cNvPr id="52" name=""/>
+          <p:cNvPicPr>
+            <a:picLocks noChangeAspect="1"/>
+          </p:cNvPicPr>
           <p:nvPr/>
-        </p:nvGrpSpPr>
-        <p:grpSpPr>
-          <a:xfrm rot="0">
-            <a:off x="0" y="720080"/>
-            <a:ext cx="9108504" cy="6165304"/>
-            <a:chOff x="0" y="720080"/>
-            <a:chExt cx="9108504" cy="6165304"/>
+        </p:nvPicPr>
+        <p:blipFill rotWithShape="1">
+          <a:blip r:embed="rId3"/>
+          <a:stretch>
+            <a:fillRect/>
+          </a:stretch>
+        </p:blipFill>
+        <p:spPr>
+          <a:xfrm>
+            <a:off x="0" y="644475"/>
+            <a:ext cx="9144000" cy="5569050"/>
           </a:xfrm>
-        </p:grpSpPr>
-        <p:pic>
-          <p:nvPicPr>
-            <p:cNvPr id="48" name=""/>
-            <p:cNvPicPr>
-              <a:picLocks noChangeAspect="1"/>
-            </p:cNvPicPr>
-            <p:nvPr/>
-          </p:nvPicPr>
-          <p:blipFill rotWithShape="1">
-            <a:blip r:embed="rId3"/>
-            <a:stretch>
-              <a:fillRect/>
-            </a:stretch>
-          </p:blipFill>
-          <p:spPr>
-            <a:xfrm>
-              <a:off x="0" y="720080"/>
-              <a:ext cx="9108504" cy="6165304"/>
-            </a:xfrm>
-            <a:prstGeom prst="rect">
-              <a:avLst/>
-            </a:prstGeom>
-          </p:spPr>
-        </p:pic>
-        <p:sp>
-          <p:nvSpPr>
-            <p:cNvPr id="50" name=""/>
-            <p:cNvSpPr txBox="1"/>
-            <p:nvPr/>
-          </p:nvSpPr>
-          <p:spPr>
-            <a:xfrm>
-              <a:off x="1450981" y="1692211"/>
-              <a:ext cx="936104" cy="363284"/>
-            </a:xfrm>
-            <a:prstGeom prst="rect">
-              <a:avLst/>
-            </a:prstGeom>
-            <a:solidFill>
-              <a:srgbClr val="cdf2e4"/>
-            </a:solidFill>
-          </p:spPr>
-          <p:txBody>
-            <a:bodyPr wrap="square">
-              <a:spAutoFit/>
-            </a:bodyPr>
-            <a:p>
-              <a:pPr algn="ctr">
-                <a:defRPr/>
-              </a:pPr>
-              <a:r>
-                <a:rPr lang="ko-KR" altLang="en-US" sz="900"/>
-                <a:t>포톤을 이용한 멀티구현</a:t>
-              </a:r>
-              <a:endParaRPr lang="ko-KR" altLang="en-US" sz="900"/>
-            </a:p>
-          </p:txBody>
-        </p:sp>
-      </p:grpSp>
+          <a:prstGeom prst="rect">
+            <a:avLst/>
+          </a:prstGeom>
+        </p:spPr>
+      </p:pic>
     </p:spTree>
   </p:cSld>
   <p:clrMapOvr>
